--- a/Презентация Бобров Д.А. IT-раунд.pptx
+++ b/Презентация Бобров Д.А. IT-раунд.pptx
@@ -5,7 +5,7 @@
     <p:sldMasterId id="2147483648" r:id="rId1"/>
   </p:sldMasterIdLst>
   <p:notesMasterIdLst>
-    <p:notesMasterId r:id="rId14"/>
+    <p:notesMasterId r:id="rId15"/>
   </p:notesMasterIdLst>
   <p:sldIdLst>
     <p:sldId id="256" r:id="rId2"/>
@@ -20,28 +20,29 @@
     <p:sldId id="274" r:id="rId11"/>
     <p:sldId id="276" r:id="rId12"/>
     <p:sldId id="267" r:id="rId13"/>
+    <p:sldId id="278" r:id="rId14"/>
   </p:sldIdLst>
   <p:sldSz cx="18288000" cy="10287000"/>
   <p:notesSz cx="6761163" cy="9942513"/>
   <p:embeddedFontLst>
     <p:embeddedFont>
       <p:font typeface="Brush Script MT" panose="03060802040406070304" pitchFamily="66" charset="0"/>
-      <p:italic r:id="rId15"/>
+      <p:italic r:id="rId16"/>
     </p:embeddedFont>
     <p:embeddedFont>
       <p:font typeface="Calibri" panose="020F0502020204030204" pitchFamily="34" charset="0"/>
-      <p:regular r:id="rId16"/>
-      <p:bold r:id="rId17"/>
-      <p:italic r:id="rId18"/>
-      <p:boldItalic r:id="rId19"/>
+      <p:regular r:id="rId17"/>
+      <p:bold r:id="rId18"/>
+      <p:italic r:id="rId19"/>
+      <p:boldItalic r:id="rId20"/>
     </p:embeddedFont>
     <p:embeddedFont>
       <p:font typeface="Clear Sans Regular" panose="020B0604020202020204" charset="0"/>
-      <p:regular r:id="rId20"/>
+      <p:regular r:id="rId21"/>
     </p:embeddedFont>
     <p:embeddedFont>
       <p:font typeface="Lato Bold" panose="020B0604020202020204" charset="0"/>
-      <p:regular r:id="rId21"/>
+      <p:regular r:id="rId22"/>
     </p:embeddedFont>
   </p:embeddedFontLst>
   <p:defaultTextStyle>
@@ -5028,6 +5029,271 @@
 </p:sld>
 </file>
 
+<file path=ppt/slides/slide13.xml><?xml version="1.0" encoding="utf-8"?>
+<p:sld xmlns:a="http://schemas.openxmlformats.org/drawingml/2006/main" xmlns:r="http://schemas.openxmlformats.org/officeDocument/2006/relationships" xmlns:p="http://schemas.openxmlformats.org/presentationml/2006/main">
+  <p:cSld>
+    <p:spTree>
+      <p:nvGrpSpPr>
+        <p:cNvPr id="1" name=""/>
+        <p:cNvGrpSpPr/>
+        <p:nvPr/>
+      </p:nvGrpSpPr>
+      <p:grpSpPr>
+        <a:xfrm>
+          <a:off x="0" y="0"/>
+          <a:ext cx="0" cy="0"/>
+          <a:chOff x="0" y="0"/>
+          <a:chExt cx="0" cy="0"/>
+        </a:xfrm>
+      </p:grpSpPr>
+      <p:sp>
+        <p:nvSpPr>
+          <p:cNvPr id="14" name="TextBox 14"/>
+          <p:cNvSpPr txBox="1"/>
+          <p:nvPr/>
+        </p:nvSpPr>
+        <p:spPr>
+          <a:xfrm>
+            <a:off x="1291460" y="1019175"/>
+            <a:ext cx="15705080" cy="1384995"/>
+          </a:xfrm>
+          <a:prstGeom prst="rect">
+            <a:avLst/>
+          </a:prstGeom>
+        </p:spPr>
+        <p:txBody>
+          <a:bodyPr lIns="0" tIns="0" rIns="0" bIns="0" rtlCol="0" anchor="t">
+            <a:spAutoFit/>
+          </a:bodyPr>
+          <a:lstStyle/>
+          <a:p>
+            <a:pPr marL="0" lvl="0" indent="0" algn="ctr">
+              <a:lnSpc>
+                <a:spcPts val="10800"/>
+              </a:lnSpc>
+              <a:spcBef>
+                <a:spcPct val="0"/>
+              </a:spcBef>
+            </a:pPr>
+            <a:r>
+              <a:rPr lang="ru-RU" sz="9000" dirty="0">
+                <a:solidFill>
+                  <a:srgbClr val="191919"/>
+                </a:solidFill>
+                <a:latin typeface="Lato Bold"/>
+              </a:rPr>
+              <a:t>Перспективы</a:t>
+            </a:r>
+            <a:endParaRPr lang="en-US" sz="9000" dirty="0">
+              <a:solidFill>
+                <a:srgbClr val="191919"/>
+              </a:solidFill>
+              <a:latin typeface="Lato Bold"/>
+            </a:endParaRPr>
+          </a:p>
+        </p:txBody>
+      </p:sp>
+      <p:grpSp>
+        <p:nvGrpSpPr>
+          <p:cNvPr id="27" name="Group 4">
+            <a:extLst>
+              <a:ext uri="{FF2B5EF4-FFF2-40B4-BE49-F238E27FC236}">
+                <a16:creationId xmlns:a16="http://schemas.microsoft.com/office/drawing/2014/main" id="{807B7E82-F63C-4488-AA4D-3712C5135919}"/>
+              </a:ext>
+            </a:extLst>
+          </p:cNvPr>
+          <p:cNvGrpSpPr/>
+          <p:nvPr/>
+        </p:nvGrpSpPr>
+        <p:grpSpPr>
+          <a:xfrm>
+            <a:off x="403822" y="3789164"/>
+            <a:ext cx="17480355" cy="2954536"/>
+            <a:chOff x="0" y="-47625"/>
+            <a:chExt cx="2722398" cy="1195519"/>
+          </a:xfrm>
+        </p:grpSpPr>
+        <p:sp>
+          <p:nvSpPr>
+            <p:cNvPr id="28" name="Freeform 5">
+              <a:extLst>
+                <a:ext uri="{FF2B5EF4-FFF2-40B4-BE49-F238E27FC236}">
+                  <a16:creationId xmlns:a16="http://schemas.microsoft.com/office/drawing/2014/main" id="{2DB6EABA-6DE8-445F-8C70-55D6DB1CC46A}"/>
+                </a:ext>
+              </a:extLst>
+            </p:cNvPr>
+            <p:cNvSpPr/>
+            <p:nvPr/>
+          </p:nvSpPr>
+          <p:spPr>
+            <a:xfrm>
+              <a:off x="0" y="0"/>
+              <a:ext cx="2722398" cy="1147894"/>
+            </a:xfrm>
+            <a:custGeom>
+              <a:avLst/>
+              <a:gdLst/>
+              <a:ahLst/>
+              <a:cxnLst/>
+              <a:rect l="l" t="t" r="r" b="b"/>
+              <a:pathLst>
+                <a:path w="2722398" h="1147894">
+                  <a:moveTo>
+                    <a:pt x="38198" y="0"/>
+                  </a:moveTo>
+                  <a:lnTo>
+                    <a:pt x="2684200" y="0"/>
+                  </a:lnTo>
+                  <a:cubicBezTo>
+                    <a:pt x="2694331" y="0"/>
+                    <a:pt x="2704047" y="4024"/>
+                    <a:pt x="2711210" y="11188"/>
+                  </a:cubicBezTo>
+                  <a:cubicBezTo>
+                    <a:pt x="2718374" y="18351"/>
+                    <a:pt x="2722398" y="28067"/>
+                    <a:pt x="2722398" y="38198"/>
+                  </a:cubicBezTo>
+                  <a:lnTo>
+                    <a:pt x="2722398" y="1109696"/>
+                  </a:lnTo>
+                  <a:cubicBezTo>
+                    <a:pt x="2722398" y="1119827"/>
+                    <a:pt x="2718374" y="1129542"/>
+                    <a:pt x="2711210" y="1136706"/>
+                  </a:cubicBezTo>
+                  <a:cubicBezTo>
+                    <a:pt x="2704047" y="1143869"/>
+                    <a:pt x="2694331" y="1147894"/>
+                    <a:pt x="2684200" y="1147894"/>
+                  </a:cubicBezTo>
+                  <a:lnTo>
+                    <a:pt x="38198" y="1147894"/>
+                  </a:lnTo>
+                  <a:cubicBezTo>
+                    <a:pt x="28067" y="1147894"/>
+                    <a:pt x="18351" y="1143869"/>
+                    <a:pt x="11188" y="1136706"/>
+                  </a:cubicBezTo>
+                  <a:cubicBezTo>
+                    <a:pt x="4024" y="1129542"/>
+                    <a:pt x="0" y="1119827"/>
+                    <a:pt x="0" y="1109696"/>
+                  </a:cubicBezTo>
+                  <a:lnTo>
+                    <a:pt x="0" y="38198"/>
+                  </a:lnTo>
+                  <a:cubicBezTo>
+                    <a:pt x="0" y="28067"/>
+                    <a:pt x="4024" y="18351"/>
+                    <a:pt x="11188" y="11188"/>
+                  </a:cubicBezTo>
+                  <a:cubicBezTo>
+                    <a:pt x="18351" y="4024"/>
+                    <a:pt x="28067" y="0"/>
+                    <a:pt x="38198" y="0"/>
+                  </a:cubicBezTo>
+                  <a:close/>
+                </a:path>
+              </a:pathLst>
+            </a:custGeom>
+            <a:solidFill>
+              <a:srgbClr val="052896"/>
+            </a:solidFill>
+          </p:spPr>
+        </p:sp>
+        <p:sp>
+          <p:nvSpPr>
+            <p:cNvPr id="29" name="TextBox 6">
+              <a:extLst>
+                <a:ext uri="{FF2B5EF4-FFF2-40B4-BE49-F238E27FC236}">
+                  <a16:creationId xmlns:a16="http://schemas.microsoft.com/office/drawing/2014/main" id="{38DF7B06-3E7E-4683-8BA0-0231F01F390C}"/>
+                </a:ext>
+              </a:extLst>
+            </p:cNvPr>
+            <p:cNvSpPr txBox="1"/>
+            <p:nvPr/>
+          </p:nvSpPr>
+          <p:spPr>
+            <a:xfrm>
+              <a:off x="0" y="-47625"/>
+              <a:ext cx="812800" cy="860425"/>
+            </a:xfrm>
+            <a:prstGeom prst="rect">
+              <a:avLst/>
+            </a:prstGeom>
+          </p:spPr>
+          <p:txBody>
+            <a:bodyPr lIns="50800" tIns="50800" rIns="50800" bIns="50800" rtlCol="0" anchor="ctr"/>
+            <a:lstStyle/>
+            <a:p>
+              <a:pPr algn="ctr">
+                <a:lnSpc>
+                  <a:spcPts val="2939"/>
+                </a:lnSpc>
+              </a:pPr>
+              <a:endParaRPr/>
+            </a:p>
+          </p:txBody>
+        </p:sp>
+      </p:grpSp>
+      <p:sp>
+        <p:nvSpPr>
+          <p:cNvPr id="30" name="TextBox 7">
+            <a:extLst>
+              <a:ext uri="{FF2B5EF4-FFF2-40B4-BE49-F238E27FC236}">
+                <a16:creationId xmlns:a16="http://schemas.microsoft.com/office/drawing/2014/main" id="{05E58481-E906-45DA-A2FC-741B4610B1A6}"/>
+              </a:ext>
+            </a:extLst>
+          </p:cNvPr>
+          <p:cNvSpPr txBox="1"/>
+          <p:nvPr/>
+        </p:nvSpPr>
+        <p:spPr>
+          <a:xfrm>
+            <a:off x="838200" y="4229100"/>
+            <a:ext cx="15925800" cy="1762342"/>
+          </a:xfrm>
+          <a:prstGeom prst="rect">
+            <a:avLst/>
+          </a:prstGeom>
+        </p:spPr>
+        <p:txBody>
+          <a:bodyPr wrap="square" lIns="0" tIns="0" rIns="0" bIns="0" rtlCol="0" anchor="t">
+            <a:spAutoFit/>
+          </a:bodyPr>
+          <a:lstStyle/>
+          <a:p>
+            <a:pPr>
+              <a:lnSpc>
+                <a:spcPts val="7139"/>
+              </a:lnSpc>
+            </a:pPr>
+            <a:r>
+              <a:rPr lang="ru-RU" sz="5400" dirty="0">
+                <a:solidFill>
+                  <a:srgbClr val="FFFFFF"/>
+                </a:solidFill>
+                <a:latin typeface="Clear Sans Regular"/>
+              </a:rPr>
+              <a:t>Добавить возможность расчета НДФЛ для всех видов налоговых вычетов </a:t>
+            </a:r>
+          </a:p>
+        </p:txBody>
+      </p:sp>
+    </p:spTree>
+    <p:extLst>
+      <p:ext uri="{BB962C8B-B14F-4D97-AF65-F5344CB8AC3E}">
+        <p14:creationId xmlns:p14="http://schemas.microsoft.com/office/powerpoint/2010/main" val="1545762742"/>
+      </p:ext>
+    </p:extLst>
+  </p:cSld>
+  <p:clrMapOvr>
+    <a:masterClrMapping/>
+  </p:clrMapOvr>
+</p:sld>
+</file>
+
 <file path=ppt/slides/slide2.xml><?xml version="1.0" encoding="utf-8"?>
 <p:sld xmlns:a="http://schemas.openxmlformats.org/drawingml/2006/main" xmlns:r="http://schemas.openxmlformats.org/officeDocument/2006/relationships" xmlns:p="http://schemas.openxmlformats.org/presentationml/2006/main">
   <p:cSld>
@@ -5175,7 +5441,7 @@
         <p:spPr>
           <a:xfrm>
             <a:off x="7250190" y="4806315"/>
-            <a:ext cx="8612110" cy="2564805"/>
+            <a:ext cx="8612110" cy="3847207"/>
           </a:xfrm>
           <a:prstGeom prst="rect">
             <a:avLst/>
@@ -5217,7 +5483,7 @@
                 </a:solidFill>
                 <a:latin typeface="Clear Sans Regular"/>
               </a:rPr>
-              <a:t>сайт, на котором физическое лицо сможет определить размер положенных ему налоговых вычетов</a:t>
+              <a:t>сайт, на котором физическое лицо сможет определить размер положенных ему налоговых вычетов. И как результат, рассчитать сумму НДФЛ к удержанию.</a:t>
             </a:r>
             <a:endParaRPr lang="en-US" sz="4400" dirty="0">
               <a:solidFill>
